--- a/img/context_emo_system.pptx
+++ b/img/context_emo_system.pptx
@@ -3304,7 +3304,7 @@
         </p:nvSpPr>
         <p:spPr>
           <a:xfrm>
-            <a:off x="3766621" y="3822772"/>
+            <a:off x="3851442" y="3844157"/>
             <a:ext cx="4183856" cy="655200"/>
           </a:xfrm>
           <a:prstGeom prst="roundRect">
@@ -4127,7 +4127,7 @@
         <p:spPr>
           <a:xfrm>
             <a:off x="4500268" y="3250745"/>
-            <a:ext cx="1358281" cy="572027"/>
+            <a:ext cx="1443102" cy="593412"/>
           </a:xfrm>
           <a:prstGeom prst="straightConnector1">
             <a:avLst/>
@@ -4164,9 +4164,9 @@
           <p:nvPr/>
         </p:nvCxnSpPr>
         <p:spPr>
-          <a:xfrm flipH="1">
-            <a:off x="5858549" y="3250745"/>
-            <a:ext cx="84821" cy="572027"/>
+          <a:xfrm>
+            <a:off x="5943370" y="3250745"/>
+            <a:ext cx="0" cy="593412"/>
           </a:xfrm>
           <a:prstGeom prst="straightConnector1">
             <a:avLst/>
@@ -4204,8 +4204,8 @@
         </p:nvCxnSpPr>
         <p:spPr>
           <a:xfrm flipH="1">
-            <a:off x="5858549" y="3250745"/>
-            <a:ext cx="1485872" cy="572027"/>
+            <a:off x="5943370" y="3250745"/>
+            <a:ext cx="1401051" cy="593412"/>
           </a:xfrm>
           <a:prstGeom prst="straightConnector1">
             <a:avLst/>
@@ -4243,8 +4243,8 @@
         </p:nvCxnSpPr>
         <p:spPr>
           <a:xfrm flipH="1">
-            <a:off x="4500268" y="4477972"/>
-            <a:ext cx="1358281" cy="608185"/>
+            <a:off x="4500268" y="4499357"/>
+            <a:ext cx="1443102" cy="586800"/>
           </a:xfrm>
           <a:prstGeom prst="straightConnector1">
             <a:avLst/>
@@ -4282,8 +4282,8 @@
         </p:nvCxnSpPr>
         <p:spPr>
           <a:xfrm>
-            <a:off x="5858549" y="4477972"/>
-            <a:ext cx="84821" cy="608185"/>
+            <a:off x="5943370" y="4499357"/>
+            <a:ext cx="0" cy="586800"/>
           </a:xfrm>
           <a:prstGeom prst="straightConnector1">
             <a:avLst/>
@@ -4321,8 +4321,8 @@
         </p:nvCxnSpPr>
         <p:spPr>
           <a:xfrm>
-            <a:off x="5858549" y="4477972"/>
-            <a:ext cx="1485872" cy="608185"/>
+            <a:off x="5943370" y="4499357"/>
+            <a:ext cx="1401051" cy="586800"/>
           </a:xfrm>
           <a:prstGeom prst="straightConnector1">
             <a:avLst/>

--- a/img/context_emo_system.pptx
+++ b/img/context_emo_system.pptx
@@ -243,7 +243,7 @@
           <a:p>
             <a:fld id="{FFA13CC7-F370-4647-8F45-E0E2860F34BC}" type="datetimeFigureOut">
               <a:rPr kumimoji="1" lang="zh-CN" altLang="en-US" smtClean="0"/>
-              <a:t>2019/4/16</a:t>
+              <a:t>2019/5/19</a:t>
             </a:fld>
             <a:endParaRPr kumimoji="1" lang="zh-CN" altLang="en-US"/>
           </a:p>
@@ -413,7 +413,7 @@
           <a:p>
             <a:fld id="{FFA13CC7-F370-4647-8F45-E0E2860F34BC}" type="datetimeFigureOut">
               <a:rPr kumimoji="1" lang="zh-CN" altLang="en-US" smtClean="0"/>
-              <a:t>2019/4/16</a:t>
+              <a:t>2019/5/19</a:t>
             </a:fld>
             <a:endParaRPr kumimoji="1" lang="zh-CN" altLang="en-US"/>
           </a:p>
@@ -593,7 +593,7 @@
           <a:p>
             <a:fld id="{FFA13CC7-F370-4647-8F45-E0E2860F34BC}" type="datetimeFigureOut">
               <a:rPr kumimoji="1" lang="zh-CN" altLang="en-US" smtClean="0"/>
-              <a:t>2019/4/16</a:t>
+              <a:t>2019/5/19</a:t>
             </a:fld>
             <a:endParaRPr kumimoji="1" lang="zh-CN" altLang="en-US"/>
           </a:p>
@@ -763,7 +763,7 @@
           <a:p>
             <a:fld id="{FFA13CC7-F370-4647-8F45-E0E2860F34BC}" type="datetimeFigureOut">
               <a:rPr kumimoji="1" lang="zh-CN" altLang="en-US" smtClean="0"/>
-              <a:t>2019/4/16</a:t>
+              <a:t>2019/5/19</a:t>
             </a:fld>
             <a:endParaRPr kumimoji="1" lang="zh-CN" altLang="en-US"/>
           </a:p>
@@ -1007,7 +1007,7 @@
           <a:p>
             <a:fld id="{FFA13CC7-F370-4647-8F45-E0E2860F34BC}" type="datetimeFigureOut">
               <a:rPr kumimoji="1" lang="zh-CN" altLang="en-US" smtClean="0"/>
-              <a:t>2019/4/16</a:t>
+              <a:t>2019/5/19</a:t>
             </a:fld>
             <a:endParaRPr kumimoji="1" lang="zh-CN" altLang="en-US"/>
           </a:p>
@@ -1239,7 +1239,7 @@
           <a:p>
             <a:fld id="{FFA13CC7-F370-4647-8F45-E0E2860F34BC}" type="datetimeFigureOut">
               <a:rPr kumimoji="1" lang="zh-CN" altLang="en-US" smtClean="0"/>
-              <a:t>2019/4/16</a:t>
+              <a:t>2019/5/19</a:t>
             </a:fld>
             <a:endParaRPr kumimoji="1" lang="zh-CN" altLang="en-US"/>
           </a:p>
@@ -1606,7 +1606,7 @@
           <a:p>
             <a:fld id="{FFA13CC7-F370-4647-8F45-E0E2860F34BC}" type="datetimeFigureOut">
               <a:rPr kumimoji="1" lang="zh-CN" altLang="en-US" smtClean="0"/>
-              <a:t>2019/4/16</a:t>
+              <a:t>2019/5/19</a:t>
             </a:fld>
             <a:endParaRPr kumimoji="1" lang="zh-CN" altLang="en-US"/>
           </a:p>
@@ -1724,7 +1724,7 @@
           <a:p>
             <a:fld id="{FFA13CC7-F370-4647-8F45-E0E2860F34BC}" type="datetimeFigureOut">
               <a:rPr kumimoji="1" lang="zh-CN" altLang="en-US" smtClean="0"/>
-              <a:t>2019/4/16</a:t>
+              <a:t>2019/5/19</a:t>
             </a:fld>
             <a:endParaRPr kumimoji="1" lang="zh-CN" altLang="en-US"/>
           </a:p>
@@ -1819,7 +1819,7 @@
           <a:p>
             <a:fld id="{FFA13CC7-F370-4647-8F45-E0E2860F34BC}" type="datetimeFigureOut">
               <a:rPr kumimoji="1" lang="zh-CN" altLang="en-US" smtClean="0"/>
-              <a:t>2019/4/16</a:t>
+              <a:t>2019/5/19</a:t>
             </a:fld>
             <a:endParaRPr kumimoji="1" lang="zh-CN" altLang="en-US"/>
           </a:p>
@@ -2096,7 +2096,7 @@
           <a:p>
             <a:fld id="{FFA13CC7-F370-4647-8F45-E0E2860F34BC}" type="datetimeFigureOut">
               <a:rPr kumimoji="1" lang="zh-CN" altLang="en-US" smtClean="0"/>
-              <a:t>2019/4/16</a:t>
+              <a:t>2019/5/19</a:t>
             </a:fld>
             <a:endParaRPr kumimoji="1" lang="zh-CN" altLang="en-US"/>
           </a:p>
@@ -2353,7 +2353,7 @@
           <a:p>
             <a:fld id="{FFA13CC7-F370-4647-8F45-E0E2860F34BC}" type="datetimeFigureOut">
               <a:rPr kumimoji="1" lang="zh-CN" altLang="en-US" smtClean="0"/>
-              <a:t>2019/4/16</a:t>
+              <a:t>2019/5/19</a:t>
             </a:fld>
             <a:endParaRPr kumimoji="1" lang="zh-CN" altLang="en-US"/>
           </a:p>
@@ -2566,7 +2566,7 @@
           <a:p>
             <a:fld id="{FFA13CC7-F370-4647-8F45-E0E2860F34BC}" type="datetimeFigureOut">
               <a:rPr kumimoji="1" lang="zh-CN" altLang="en-US" smtClean="0"/>
-              <a:t>2019/4/16</a:t>
+              <a:t>2019/5/19</a:t>
             </a:fld>
             <a:endParaRPr kumimoji="1" lang="zh-CN" altLang="en-US"/>
           </a:p>
@@ -3021,12 +3021,12 @@
           <a:p>
             <a:pPr algn="ctr"/>
             <a:r>
-              <a:rPr lang="zh-CN" altLang="en-US" sz="2000" dirty="0">
+              <a:rPr lang="zh-CN" altLang="en-US" sz="2000" dirty="0" smtClean="0">
                 <a:solidFill>
                   <a:schemeClr val="tx1"/>
                 </a:solidFill>
               </a:rPr>
-              <a:t>基于第一组分类器的投票</a:t>
+              <a:t>四分类情感识别</a:t>
             </a:r>
             <a:endParaRPr kumimoji="1" lang="zh-CN" altLang="en-US" sz="2000" dirty="0">
               <a:solidFill>
@@ -3304,8 +3304,8 @@
         </p:nvSpPr>
         <p:spPr>
           <a:xfrm>
-            <a:off x="3851442" y="3844157"/>
-            <a:ext cx="4183856" cy="655200"/>
+            <a:off x="3691159" y="3787962"/>
+            <a:ext cx="4504422" cy="655200"/>
           </a:xfrm>
           <a:prstGeom prst="roundRect">
             <a:avLst/>
@@ -3346,12 +3346,12 @@
           <a:p>
             <a:pPr algn="ctr"/>
             <a:r>
-              <a:rPr lang="zh-CN" altLang="en-US" sz="2000" dirty="0">
+              <a:rPr lang="zh-CN" altLang="en-US" sz="2000" dirty="0" smtClean="0">
                 <a:solidFill>
                   <a:schemeClr val="tx1"/>
                 </a:solidFill>
               </a:rPr>
-              <a:t>引入第二组分类器的投票结果</a:t>
+              <a:t>面向开心、悲伤和愤怒的三分类</a:t>
             </a:r>
             <a:endParaRPr kumimoji="1" lang="zh-CN" altLang="en-US" sz="2000" dirty="0">
               <a:solidFill>
@@ -4127,7 +4127,7 @@
         <p:spPr>
           <a:xfrm>
             <a:off x="4500268" y="3250745"/>
-            <a:ext cx="1443102" cy="593412"/>
+            <a:ext cx="1443102" cy="537217"/>
           </a:xfrm>
           <a:prstGeom prst="straightConnector1">
             <a:avLst/>
@@ -4166,7 +4166,7 @@
         <p:spPr>
           <a:xfrm>
             <a:off x="5943370" y="3250745"/>
-            <a:ext cx="0" cy="593412"/>
+            <a:ext cx="0" cy="537217"/>
           </a:xfrm>
           <a:prstGeom prst="straightConnector1">
             <a:avLst/>
@@ -4205,7 +4205,7 @@
         <p:spPr>
           <a:xfrm flipH="1">
             <a:off x="5943370" y="3250745"/>
-            <a:ext cx="1401051" cy="593412"/>
+            <a:ext cx="1401051" cy="537217"/>
           </a:xfrm>
           <a:prstGeom prst="straightConnector1">
             <a:avLst/>
@@ -4243,8 +4243,8 @@
         </p:nvCxnSpPr>
         <p:spPr>
           <a:xfrm flipH="1">
-            <a:off x="4500268" y="4499357"/>
-            <a:ext cx="1443102" cy="586800"/>
+            <a:off x="4500268" y="4443162"/>
+            <a:ext cx="1443102" cy="642995"/>
           </a:xfrm>
           <a:prstGeom prst="straightConnector1">
             <a:avLst/>
@@ -4282,8 +4282,8 @@
         </p:nvCxnSpPr>
         <p:spPr>
           <a:xfrm>
-            <a:off x="5943370" y="4499357"/>
-            <a:ext cx="0" cy="586800"/>
+            <a:off x="5943370" y="4443162"/>
+            <a:ext cx="0" cy="642995"/>
           </a:xfrm>
           <a:prstGeom prst="straightConnector1">
             <a:avLst/>
@@ -4321,8 +4321,8 @@
         </p:nvCxnSpPr>
         <p:spPr>
           <a:xfrm>
-            <a:off x="5943370" y="4499357"/>
-            <a:ext cx="1401051" cy="586800"/>
+            <a:off x="5943370" y="4443162"/>
+            <a:ext cx="1401051" cy="642995"/>
           </a:xfrm>
           <a:prstGeom prst="straightConnector1">
             <a:avLst/>
@@ -4474,8 +4474,8 @@
         </p:nvSpPr>
         <p:spPr>
           <a:xfrm>
-            <a:off x="3766621" y="6434882"/>
-            <a:ext cx="4183856" cy="655200"/>
+            <a:off x="3691159" y="6434882"/>
+            <a:ext cx="4504422" cy="655200"/>
           </a:xfrm>
           <a:prstGeom prst="roundRect">
             <a:avLst/>
@@ -4516,12 +4516,28 @@
           <a:p>
             <a:pPr algn="ctr"/>
             <a:r>
+              <a:rPr lang="zh-CN" altLang="en-US" sz="2000" dirty="0" smtClean="0">
+                <a:solidFill>
+                  <a:schemeClr val="tx1"/>
+                </a:solidFill>
+              </a:rPr>
+              <a:t>面向其他和不</a:t>
+            </a:r>
+            <a:r>
               <a:rPr lang="zh-CN" altLang="en-US" sz="2000" dirty="0">
                 <a:solidFill>
                   <a:schemeClr val="tx1"/>
                 </a:solidFill>
               </a:rPr>
-              <a:t>引入第三组分类器的投票结果</a:t>
+              <a:t>是</a:t>
+            </a:r>
+            <a:r>
+              <a:rPr lang="zh-CN" altLang="en-US" sz="2000" dirty="0" smtClean="0">
+                <a:solidFill>
+                  <a:schemeClr val="tx1"/>
+                </a:solidFill>
+              </a:rPr>
+              <a:t>其他的二分类</a:t>
             </a:r>
             <a:endParaRPr kumimoji="1" lang="zh-CN" altLang="en-US" sz="2000" dirty="0">
               <a:solidFill>
